--- a/PPT/My First Android App.pptx
+++ b/PPT/My First Android App.pptx
@@ -5,26 +5,27 @@
     <p:sldMasterId id="2147483660" r:id="rId1"/>
   </p:sldMasterIdLst>
   <p:notesMasterIdLst>
-    <p:notesMasterId r:id="rId16"/>
+    <p:notesMasterId r:id="rId17"/>
   </p:notesMasterIdLst>
   <p:handoutMasterIdLst>
-    <p:handoutMasterId r:id="rId17"/>
+    <p:handoutMasterId r:id="rId18"/>
   </p:handoutMasterIdLst>
   <p:sldIdLst>
     <p:sldId id="256" r:id="rId2"/>
-    <p:sldId id="265" r:id="rId3"/>
-    <p:sldId id="269" r:id="rId4"/>
-    <p:sldId id="266" r:id="rId5"/>
-    <p:sldId id="267" r:id="rId6"/>
-    <p:sldId id="268" r:id="rId7"/>
-    <p:sldId id="257" r:id="rId8"/>
-    <p:sldId id="264" r:id="rId9"/>
-    <p:sldId id="258" r:id="rId10"/>
-    <p:sldId id="259" r:id="rId11"/>
-    <p:sldId id="260" r:id="rId12"/>
-    <p:sldId id="263" r:id="rId13"/>
-    <p:sldId id="262" r:id="rId14"/>
-    <p:sldId id="261" r:id="rId15"/>
+    <p:sldId id="270" r:id="rId3"/>
+    <p:sldId id="265" r:id="rId4"/>
+    <p:sldId id="269" r:id="rId5"/>
+    <p:sldId id="266" r:id="rId6"/>
+    <p:sldId id="267" r:id="rId7"/>
+    <p:sldId id="268" r:id="rId8"/>
+    <p:sldId id="257" r:id="rId9"/>
+    <p:sldId id="264" r:id="rId10"/>
+    <p:sldId id="258" r:id="rId11"/>
+    <p:sldId id="259" r:id="rId12"/>
+    <p:sldId id="260" r:id="rId13"/>
+    <p:sldId id="263" r:id="rId14"/>
+    <p:sldId id="262" r:id="rId15"/>
+    <p:sldId id="261" r:id="rId16"/>
   </p:sldIdLst>
   <p:sldSz cx="9144000" cy="6858000" type="screen4x3"/>
   <p:notesSz cx="6858000" cy="9144000"/>
@@ -228,7 +229,7 @@
             <a:fld id="{5E9302A7-8594-484F-B726-A0F71F65036D}" type="datetimeFigureOut">
               <a:rPr lang="zh-CN" altLang="en-US" smtClean="0"/>
               <a:pPr/>
-              <a:t>2019/1/14</a:t>
+              <a:t>2019/12/3</a:t>
             </a:fld>
             <a:endParaRPr lang="zh-CN" altLang="en-US"/>
           </a:p>
@@ -395,7 +396,7 @@
             <a:fld id="{A5A8A0BA-708B-4B98-852A-71DC09C17B9A}" type="datetimeFigureOut">
               <a:rPr lang="zh-CN" altLang="en-US" smtClean="0"/>
               <a:pPr/>
-              <a:t>2019/1/14</a:t>
+              <a:t>2019/12/3</a:t>
             </a:fld>
             <a:endParaRPr lang="zh-CN" altLang="en-US"/>
           </a:p>
@@ -885,7 +886,7 @@
             <a:fld id="{FFCBB8A4-BEC6-4942-9910-EEBD28E3DAB9}" type="slidenum">
               <a:rPr lang="zh-CN" altLang="en-US" smtClean="0"/>
               <a:pPr/>
-              <a:t>14</a:t>
+              <a:t>15</a:t>
             </a:fld>
             <a:endParaRPr lang="zh-CN" altLang="en-US"/>
           </a:p>
@@ -1093,7 +1094,7 @@
             <a:fld id="{79A26581-C842-49D0-AB93-D089A5BA37C7}" type="datetime1">
               <a:rPr lang="zh-CN" altLang="en-US" smtClean="0"/>
               <a:pPr/>
-              <a:t>2019/1/14</a:t>
+              <a:t>2019/12/3</a:t>
             </a:fld>
             <a:endParaRPr lang="zh-CN" altLang="en-US" dirty="0"/>
           </a:p>
@@ -1267,7 +1268,7 @@
             <a:fld id="{F2B461BA-1B2E-4425-B18A-43269697AD3D}" type="datetime1">
               <a:rPr lang="zh-CN" altLang="en-US" smtClean="0"/>
               <a:pPr/>
-              <a:t>2019/1/14</a:t>
+              <a:t>2019/12/3</a:t>
             </a:fld>
             <a:endParaRPr lang="zh-CN" altLang="en-US"/>
           </a:p>
@@ -1451,7 +1452,7 @@
             <a:fld id="{15520F5A-7510-46CC-AA86-3124215E8D22}" type="datetime1">
               <a:rPr lang="zh-CN" altLang="en-US" smtClean="0"/>
               <a:pPr/>
-              <a:t>2019/1/14</a:t>
+              <a:t>2019/12/3</a:t>
             </a:fld>
             <a:endParaRPr lang="zh-CN" altLang="en-US"/>
           </a:p>
@@ -1692,7 +1693,7 @@
             <a:fld id="{4EE09118-F6C0-44B1-AEB0-E70B108D11CB}" type="datetime1">
               <a:rPr lang="zh-CN" altLang="en-US" smtClean="0"/>
               <a:pPr/>
-              <a:t>2019/1/14</a:t>
+              <a:t>2019/12/3</a:t>
             </a:fld>
             <a:endParaRPr lang="zh-CN" altLang="en-US"/>
           </a:p>
@@ -1942,7 +1943,7 @@
             <a:fld id="{FFE509C5-9A07-431C-A613-704709B1F7E2}" type="datetime1">
               <a:rPr lang="zh-CN" altLang="en-US" smtClean="0"/>
               <a:pPr/>
-              <a:t>2019/1/14</a:t>
+              <a:t>2019/12/3</a:t>
             </a:fld>
             <a:endParaRPr lang="zh-CN" altLang="en-US"/>
           </a:p>
@@ -2234,7 +2235,7 @@
             <a:fld id="{8967B1C6-3ABD-4489-8AE2-134FC68E6291}" type="datetime1">
               <a:rPr lang="zh-CN" altLang="en-US" smtClean="0"/>
               <a:pPr/>
-              <a:t>2019/1/14</a:t>
+              <a:t>2019/12/3</a:t>
             </a:fld>
             <a:endParaRPr lang="zh-CN" altLang="en-US"/>
           </a:p>
@@ -2660,7 +2661,7 @@
             <a:fld id="{9C7A688F-5B34-48E1-B87F-DEEE44579934}" type="datetime1">
               <a:rPr lang="zh-CN" altLang="en-US" smtClean="0"/>
               <a:pPr/>
-              <a:t>2019/1/14</a:t>
+              <a:t>2019/12/3</a:t>
             </a:fld>
             <a:endParaRPr lang="zh-CN" altLang="en-US"/>
           </a:p>
@@ -2782,7 +2783,7 @@
             <a:fld id="{0E293655-0C55-4EBC-9662-DF4B811530CC}" type="datetime1">
               <a:rPr lang="zh-CN" altLang="en-US" smtClean="0"/>
               <a:pPr/>
-              <a:t>2019/1/14</a:t>
+              <a:t>2019/12/3</a:t>
             </a:fld>
             <a:endParaRPr lang="zh-CN" altLang="en-US"/>
           </a:p>
@@ -2881,7 +2882,7 @@
             <a:fld id="{B3D1C92C-9441-4593-BA63-8806E2668D59}" type="datetime1">
               <a:rPr lang="zh-CN" altLang="en-US" smtClean="0"/>
               <a:pPr/>
-              <a:t>2019/1/14</a:t>
+              <a:t>2019/12/3</a:t>
             </a:fld>
             <a:endParaRPr lang="zh-CN" altLang="en-US"/>
           </a:p>
@@ -3162,7 +3163,7 @@
             <a:fld id="{3282DFAC-E1C2-4166-88BF-52A1C1D21E8D}" type="datetime1">
               <a:rPr lang="zh-CN" altLang="en-US" smtClean="0"/>
               <a:pPr/>
-              <a:t>2019/1/14</a:t>
+              <a:t>2019/12/3</a:t>
             </a:fld>
             <a:endParaRPr lang="zh-CN" altLang="en-US"/>
           </a:p>
@@ -3419,7 +3420,7 @@
             <a:fld id="{3A8E4DE7-673F-4F05-9AEF-EE5581AABA64}" type="datetime1">
               <a:rPr lang="zh-CN" altLang="en-US" smtClean="0"/>
               <a:pPr/>
-              <a:t>2019/1/14</a:t>
+              <a:t>2019/12/3</a:t>
             </a:fld>
             <a:endParaRPr lang="zh-CN" altLang="en-US"/>
           </a:p>
@@ -3643,7 +3644,7 @@
             <a:fld id="{7BDB4ED8-B771-44BC-BE60-EE283D0BE87C}" type="datetime1">
               <a:rPr lang="zh-CN" altLang="en-US" smtClean="0"/>
               <a:pPr/>
-              <a:t>2019/1/14</a:t>
+              <a:t>2019/12/3</a:t>
             </a:fld>
             <a:endParaRPr lang="zh-CN" altLang="en-US" dirty="0"/>
           </a:p>
@@ -4102,7 +4103,7 @@
             <a:fld id="{C747BEE7-1600-4E86-851F-873E5728A0D8}" type="datetime1">
               <a:rPr lang="zh-CN" altLang="en-US" smtClean="0"/>
               <a:pPr/>
-              <a:t>2019/1/14</a:t>
+              <a:t>2019/12/3</a:t>
             </a:fld>
             <a:endParaRPr lang="zh-CN" altLang="en-US" dirty="0"/>
           </a:p>
@@ -4181,7 +4182,11 @@
           <a:p>
             <a:r>
               <a:rPr lang="en-US" altLang="zh-CN" dirty="0" smtClean="0"/>
-              <a:t>Data API</a:t>
+              <a:t>Wide Column</a:t>
+            </a:r>
+            <a:r>
+              <a:rPr lang="zh-CN" altLang="en-US" dirty="0"/>
+              <a:t>模型</a:t>
             </a:r>
             <a:endParaRPr lang="en-US" dirty="0"/>
           </a:p>
@@ -4189,115 +4194,6 @@
       </p:sp>
       <p:sp>
         <p:nvSpPr>
-          <p:cNvPr id="3" name="Content Placeholder 2"/>
-          <p:cNvSpPr>
-            <a:spLocks noGrp="1"/>
-          </p:cNvSpPr>
-          <p:nvPr>
-            <p:ph idx="1"/>
-          </p:nvPr>
-        </p:nvSpPr>
-        <p:spPr/>
-        <p:txBody>
-          <a:bodyPr>
-            <a:normAutofit fontScale="77500" lnSpcReduction="20000"/>
-          </a:bodyPr>
-          <a:lstStyle/>
-          <a:p>
-            <a:r>
-              <a:rPr lang="en-US" altLang="zh-CN" dirty="0" err="1"/>
-              <a:t>PutRow</a:t>
-            </a:r>
-            <a:r>
-              <a:rPr lang="zh-CN" altLang="en-US" dirty="0"/>
-              <a:t>：新插入一行，如果存在相同行，则覆盖。</a:t>
-            </a:r>
-          </a:p>
-          <a:p>
-            <a:endParaRPr lang="en-US" altLang="zh-CN" dirty="0" smtClean="0"/>
-          </a:p>
-          <a:p>
-            <a:r>
-              <a:rPr lang="en-US" altLang="zh-CN" dirty="0" err="1" smtClean="0"/>
-              <a:t>UpdateRow</a:t>
-            </a:r>
-            <a:r>
-              <a:rPr lang="zh-CN" altLang="en-US" dirty="0"/>
-              <a:t>：更新一行，可增加、删除一行中的属性列，或者更新已经存在的属性列的值。如果该行 不存在，则新插入一行。</a:t>
-            </a:r>
-          </a:p>
-          <a:p>
-            <a:endParaRPr lang="en-US" altLang="zh-CN" dirty="0" smtClean="0"/>
-          </a:p>
-          <a:p>
-            <a:r>
-              <a:rPr lang="en-US" altLang="zh-CN" dirty="0" err="1" smtClean="0"/>
-              <a:t>DeleteRow</a:t>
-            </a:r>
-            <a:r>
-              <a:rPr lang="zh-CN" altLang="en-US" dirty="0"/>
-              <a:t>：删除一行。</a:t>
-            </a:r>
-          </a:p>
-          <a:p>
-            <a:endParaRPr lang="en-US" altLang="zh-CN" dirty="0" smtClean="0"/>
-          </a:p>
-          <a:p>
-            <a:r>
-              <a:rPr lang="en-US" altLang="zh-CN" dirty="0" err="1" smtClean="0"/>
-              <a:t>BatchWriteRow</a:t>
-            </a:r>
-            <a:r>
-              <a:rPr lang="zh-CN" altLang="en-US" dirty="0"/>
-              <a:t>：批量更新多张表的多行数据。</a:t>
-            </a:r>
-          </a:p>
-          <a:p>
-            <a:endParaRPr lang="en-US" altLang="zh-CN" dirty="0" smtClean="0"/>
-          </a:p>
-          <a:p>
-            <a:r>
-              <a:rPr lang="en-US" altLang="zh-CN" dirty="0" err="1" smtClean="0"/>
-              <a:t>GetRow</a:t>
-            </a:r>
-            <a:r>
-              <a:rPr lang="zh-CN" altLang="en-US" dirty="0"/>
-              <a:t>：读取一行数据。</a:t>
-            </a:r>
-          </a:p>
-          <a:p>
-            <a:endParaRPr lang="en-US" altLang="zh-CN" dirty="0" smtClean="0"/>
-          </a:p>
-          <a:p>
-            <a:r>
-              <a:rPr lang="en-US" altLang="zh-CN" dirty="0" err="1" smtClean="0"/>
-              <a:t>GetRange</a:t>
-            </a:r>
-            <a:r>
-              <a:rPr lang="zh-CN" altLang="en-US" dirty="0"/>
-              <a:t>：范围扫描数据，可正序扫描或者逆序扫描。</a:t>
-            </a:r>
-          </a:p>
-          <a:p>
-            <a:endParaRPr lang="en-US" altLang="zh-CN" dirty="0" smtClean="0"/>
-          </a:p>
-          <a:p>
-            <a:r>
-              <a:rPr lang="en-US" altLang="zh-CN" dirty="0" err="1" smtClean="0"/>
-              <a:t>BatchGetRow</a:t>
-            </a:r>
-            <a:r>
-              <a:rPr lang="zh-CN" altLang="en-US" dirty="0"/>
-              <a:t>：批量查询多张表的多行数据。</a:t>
-            </a:r>
-          </a:p>
-          <a:p>
-            <a:endParaRPr lang="en-US" dirty="0"/>
-          </a:p>
-        </p:txBody>
-      </p:sp>
-      <p:sp>
-        <p:nvSpPr>
           <p:cNvPr id="4" name="Date Placeholder 3"/>
           <p:cNvSpPr>
             <a:spLocks noGrp="1"/>
@@ -4314,7 +4210,7 @@
             <a:fld id="{4EE09118-F6C0-44B1-AEB0-E70B108D11CB}" type="datetime1">
               <a:rPr lang="zh-CN" altLang="en-US" smtClean="0"/>
               <a:pPr/>
-              <a:t>2019/1/16</a:t>
+              <a:t>2019/12/3</a:t>
             </a:fld>
             <a:endParaRPr lang="zh-CN" altLang="en-US"/>
           </a:p>
@@ -4344,10 +4240,40 @@
           </a:p>
         </p:txBody>
       </p:sp>
+      <p:pic>
+        <p:nvPicPr>
+          <p:cNvPr id="6" name="Picture 5"/>
+          <p:cNvPicPr>
+            <a:picLocks noChangeAspect="1"/>
+          </p:cNvPicPr>
+          <p:nvPr/>
+        </p:nvPicPr>
+        <p:blipFill>
+          <a:blip r:embed="rId2">
+            <a:extLst>
+              <a:ext uri="{28A0092B-C50C-407E-A947-70E740481C1C}">
+                <a14:useLocalDpi xmlns:a14="http://schemas.microsoft.com/office/drawing/2010/main" val="0"/>
+              </a:ext>
+            </a:extLst>
+          </a:blip>
+          <a:stretch>
+            <a:fillRect/>
+          </a:stretch>
+        </p:blipFill>
+        <p:spPr>
+          <a:xfrm>
+            <a:off x="0" y="1450361"/>
+            <a:ext cx="9144000" cy="3957278"/>
+          </a:xfrm>
+          <a:prstGeom prst="rect">
+            <a:avLst/>
+          </a:prstGeom>
+        </p:spPr>
+      </p:pic>
     </p:spTree>
     <p:extLst>
       <p:ext uri="{BB962C8B-B14F-4D97-AF65-F5344CB8AC3E}">
-        <p14:creationId xmlns:p14="http://schemas.microsoft.com/office/powerpoint/2010/main" val="649980517"/>
+        <p14:creationId xmlns:p14="http://schemas.microsoft.com/office/powerpoint/2010/main" val="2531136361"/>
       </p:ext>
     </p:extLst>
   </p:cSld>
@@ -4390,43 +4316,122 @@
           <a:lstStyle/>
           <a:p>
             <a:r>
-              <a:rPr lang="en-US" dirty="0" smtClean="0"/>
-              <a:t>S</a:t>
-            </a:r>
-            <a:r>
               <a:rPr lang="en-US" altLang="zh-CN" dirty="0" smtClean="0"/>
-              <a:t>tream API</a:t>
+              <a:t>Data API</a:t>
             </a:r>
             <a:endParaRPr lang="en-US" dirty="0"/>
           </a:p>
         </p:txBody>
       </p:sp>
-      <p:pic>
-        <p:nvPicPr>
-          <p:cNvPr id="6" name="Content Placeholder 5"/>
-          <p:cNvPicPr>
-            <a:picLocks noGrp="1" noChangeAspect="1"/>
-          </p:cNvPicPr>
+      <p:sp>
+        <p:nvSpPr>
+          <p:cNvPr id="3" name="Content Placeholder 2"/>
+          <p:cNvSpPr>
+            <a:spLocks noGrp="1"/>
+          </p:cNvSpPr>
           <p:nvPr>
             <p:ph idx="1"/>
           </p:nvPr>
-        </p:nvPicPr>
-        <p:blipFill>
-          <a:blip r:embed="rId2"/>
-          <a:stretch>
-            <a:fillRect/>
-          </a:stretch>
-        </p:blipFill>
-        <p:spPr>
-          <a:xfrm>
-            <a:off x="457200" y="1124744"/>
-            <a:ext cx="7534275" cy="3448050"/>
-          </a:xfrm>
-          <a:prstGeom prst="rect">
-            <a:avLst/>
-          </a:prstGeom>
-        </p:spPr>
-      </p:pic>
+        </p:nvSpPr>
+        <p:spPr/>
+        <p:txBody>
+          <a:bodyPr>
+            <a:normAutofit fontScale="77500" lnSpcReduction="20000"/>
+          </a:bodyPr>
+          <a:lstStyle/>
+          <a:p>
+            <a:r>
+              <a:rPr lang="en-US" altLang="zh-CN" dirty="0" err="1"/>
+              <a:t>PutRow</a:t>
+            </a:r>
+            <a:r>
+              <a:rPr lang="zh-CN" altLang="en-US" dirty="0"/>
+              <a:t>：新插入一行，如果存在相同行，则覆盖。</a:t>
+            </a:r>
+          </a:p>
+          <a:p>
+            <a:endParaRPr lang="en-US" altLang="zh-CN" dirty="0" smtClean="0"/>
+          </a:p>
+          <a:p>
+            <a:r>
+              <a:rPr lang="en-US" altLang="zh-CN" dirty="0" err="1" smtClean="0"/>
+              <a:t>UpdateRow</a:t>
+            </a:r>
+            <a:r>
+              <a:rPr lang="zh-CN" altLang="en-US" dirty="0"/>
+              <a:t>：更新一行，可增加、删除一行中的属性列，或者更新已经存在的属性列的值。如果该行 不存在，则新插入一行。</a:t>
+            </a:r>
+          </a:p>
+          <a:p>
+            <a:endParaRPr lang="en-US" altLang="zh-CN" dirty="0" smtClean="0"/>
+          </a:p>
+          <a:p>
+            <a:r>
+              <a:rPr lang="en-US" altLang="zh-CN" dirty="0" err="1" smtClean="0"/>
+              <a:t>DeleteRow</a:t>
+            </a:r>
+            <a:r>
+              <a:rPr lang="zh-CN" altLang="en-US" dirty="0"/>
+              <a:t>：删除一行。</a:t>
+            </a:r>
+          </a:p>
+          <a:p>
+            <a:endParaRPr lang="en-US" altLang="zh-CN" dirty="0" smtClean="0"/>
+          </a:p>
+          <a:p>
+            <a:r>
+              <a:rPr lang="en-US" altLang="zh-CN" dirty="0" err="1" smtClean="0"/>
+              <a:t>BatchWriteRow</a:t>
+            </a:r>
+            <a:r>
+              <a:rPr lang="zh-CN" altLang="en-US" dirty="0"/>
+              <a:t>：批量更新多张表的多行数据。</a:t>
+            </a:r>
+          </a:p>
+          <a:p>
+            <a:endParaRPr lang="en-US" altLang="zh-CN" dirty="0" smtClean="0"/>
+          </a:p>
+          <a:p>
+            <a:r>
+              <a:rPr lang="en-US" altLang="zh-CN" dirty="0" err="1" smtClean="0"/>
+              <a:t>GetRow</a:t>
+            </a:r>
+            <a:r>
+              <a:rPr lang="zh-CN" altLang="en-US" dirty="0"/>
+              <a:t>：读取一行数据。</a:t>
+            </a:r>
+          </a:p>
+          <a:p>
+            <a:endParaRPr lang="en-US" altLang="zh-CN" dirty="0" smtClean="0"/>
+          </a:p>
+          <a:p>
+            <a:r>
+              <a:rPr lang="en-US" altLang="zh-CN" dirty="0" err="1" smtClean="0"/>
+              <a:t>GetRange</a:t>
+            </a:r>
+            <a:r>
+              <a:rPr lang="zh-CN" altLang="en-US" dirty="0"/>
+              <a:t>：范围扫描数据，可正序扫描或者逆序扫描。</a:t>
+            </a:r>
+          </a:p>
+          <a:p>
+            <a:endParaRPr lang="en-US" altLang="zh-CN" dirty="0" smtClean="0"/>
+          </a:p>
+          <a:p>
+            <a:r>
+              <a:rPr lang="en-US" altLang="zh-CN" dirty="0" err="1" smtClean="0"/>
+              <a:t>BatchGetRow</a:t>
+            </a:r>
+            <a:r>
+              <a:rPr lang="zh-CN" altLang="en-US" dirty="0"/>
+              <a:t>：批量查询多张表的多行数据。</a:t>
+            </a:r>
+          </a:p>
+          <a:p>
+            <a:endParaRPr lang="en-US" dirty="0"/>
+          </a:p>
+        </p:txBody>
+      </p:sp>
       <p:sp>
         <p:nvSpPr>
           <p:cNvPr id="4" name="Date Placeholder 3"/>
@@ -4445,7 +4450,7 @@
             <a:fld id="{4EE09118-F6C0-44B1-AEB0-E70B108D11CB}" type="datetime1">
               <a:rPr lang="zh-CN" altLang="en-US" smtClean="0"/>
               <a:pPr/>
-              <a:t>2019/1/16</a:t>
+              <a:t>2019/12/3</a:t>
             </a:fld>
             <a:endParaRPr lang="zh-CN" altLang="en-US"/>
           </a:p>
@@ -4478,7 +4483,7 @@
     </p:spTree>
     <p:extLst>
       <p:ext uri="{BB962C8B-B14F-4D97-AF65-F5344CB8AC3E}">
-        <p14:creationId xmlns:p14="http://schemas.microsoft.com/office/powerpoint/2010/main" val="1276180621"/>
+        <p14:creationId xmlns:p14="http://schemas.microsoft.com/office/powerpoint/2010/main" val="649980517"/>
       </p:ext>
     </p:extLst>
   </p:cSld>
@@ -4522,23 +4527,11 @@
           <a:p>
             <a:r>
               <a:rPr lang="en-US" dirty="0" smtClean="0"/>
-              <a:t>Issue for ‘</a:t>
-            </a:r>
-            <a:r>
-              <a:rPr lang="en-US" dirty="0" err="1" smtClean="0"/>
-              <a:t>npm</a:t>
-            </a:r>
-            <a:r>
-              <a:rPr lang="en-US" dirty="0" smtClean="0"/>
-              <a:t> install </a:t>
-            </a:r>
-            <a:r>
-              <a:rPr lang="en-US" dirty="0" err="1" smtClean="0"/>
-              <a:t>tablestore</a:t>
-            </a:r>
-            <a:r>
-              <a:rPr lang="en-US" dirty="0" smtClean="0"/>
-              <a:t>’</a:t>
+              <a:t>S</a:t>
+            </a:r>
+            <a:r>
+              <a:rPr lang="en-US" altLang="zh-CN" dirty="0" smtClean="0"/>
+              <a:t>tream API</a:t>
             </a:r>
             <a:endParaRPr lang="en-US" dirty="0"/>
           </a:p>
@@ -4555,22 +4548,19 @@
           </p:nvPr>
         </p:nvPicPr>
         <p:blipFill>
-          <a:blip r:embed="rId2">
-            <a:extLst>
-              <a:ext uri="{28A0092B-C50C-407E-A947-70E740481C1C}">
-                <a14:useLocalDpi xmlns:a14="http://schemas.microsoft.com/office/drawing/2010/main" val="0"/>
-              </a:ext>
-            </a:extLst>
-          </a:blip>
+          <a:blip r:embed="rId2"/>
           <a:stretch>
             <a:fillRect/>
           </a:stretch>
         </p:blipFill>
         <p:spPr>
           <a:xfrm>
-            <a:off x="457200" y="2996572"/>
-            <a:ext cx="8229600" cy="1258556"/>
+            <a:off x="457200" y="1124744"/>
+            <a:ext cx="7534275" cy="3448050"/>
           </a:xfrm>
+          <a:prstGeom prst="rect">
+            <a:avLst/>
+          </a:prstGeom>
         </p:spPr>
       </p:pic>
       <p:sp>
@@ -4591,7 +4581,7 @@
             <a:fld id="{4EE09118-F6C0-44B1-AEB0-E70B108D11CB}" type="datetime1">
               <a:rPr lang="zh-CN" altLang="en-US" smtClean="0"/>
               <a:pPr/>
-              <a:t>2019/1/25</a:t>
+              <a:t>2019/12/3</a:t>
             </a:fld>
             <a:endParaRPr lang="zh-CN" altLang="en-US"/>
           </a:p>
@@ -4624,7 +4614,7 @@
     </p:spTree>
     <p:extLst>
       <p:ext uri="{BB962C8B-B14F-4D97-AF65-F5344CB8AC3E}">
-        <p14:creationId xmlns:p14="http://schemas.microsoft.com/office/powerpoint/2010/main" val="868068549"/>
+        <p14:creationId xmlns:p14="http://schemas.microsoft.com/office/powerpoint/2010/main" val="1276180621"/>
       </p:ext>
     </p:extLst>
   </p:cSld>
@@ -4668,6 +4658,152 @@
           <a:p>
             <a:r>
               <a:rPr lang="en-US" dirty="0" smtClean="0"/>
+              <a:t>Issue for ‘</a:t>
+            </a:r>
+            <a:r>
+              <a:rPr lang="en-US" dirty="0" err="1" smtClean="0"/>
+              <a:t>npm</a:t>
+            </a:r>
+            <a:r>
+              <a:rPr lang="en-US" dirty="0" smtClean="0"/>
+              <a:t> install </a:t>
+            </a:r>
+            <a:r>
+              <a:rPr lang="en-US" dirty="0" err="1" smtClean="0"/>
+              <a:t>tablestore</a:t>
+            </a:r>
+            <a:r>
+              <a:rPr lang="en-US" dirty="0" smtClean="0"/>
+              <a:t>’</a:t>
+            </a:r>
+            <a:endParaRPr lang="en-US" dirty="0"/>
+          </a:p>
+        </p:txBody>
+      </p:sp>
+      <p:pic>
+        <p:nvPicPr>
+          <p:cNvPr id="6" name="Content Placeholder 5"/>
+          <p:cNvPicPr>
+            <a:picLocks noGrp="1" noChangeAspect="1"/>
+          </p:cNvPicPr>
+          <p:nvPr>
+            <p:ph idx="1"/>
+          </p:nvPr>
+        </p:nvPicPr>
+        <p:blipFill>
+          <a:blip r:embed="rId2">
+            <a:extLst>
+              <a:ext uri="{28A0092B-C50C-407E-A947-70E740481C1C}">
+                <a14:useLocalDpi xmlns:a14="http://schemas.microsoft.com/office/drawing/2010/main" val="0"/>
+              </a:ext>
+            </a:extLst>
+          </a:blip>
+          <a:stretch>
+            <a:fillRect/>
+          </a:stretch>
+        </p:blipFill>
+        <p:spPr>
+          <a:xfrm>
+            <a:off x="457200" y="2996572"/>
+            <a:ext cx="8229600" cy="1258556"/>
+          </a:xfrm>
+        </p:spPr>
+      </p:pic>
+      <p:sp>
+        <p:nvSpPr>
+          <p:cNvPr id="4" name="Date Placeholder 3"/>
+          <p:cNvSpPr>
+            <a:spLocks noGrp="1"/>
+          </p:cNvSpPr>
+          <p:nvPr>
+            <p:ph type="dt" sz="half" idx="10"/>
+          </p:nvPr>
+        </p:nvSpPr>
+        <p:spPr/>
+        <p:txBody>
+          <a:bodyPr/>
+          <a:lstStyle/>
+          <a:p>
+            <a:fld id="{4EE09118-F6C0-44B1-AEB0-E70B108D11CB}" type="datetime1">
+              <a:rPr lang="zh-CN" altLang="en-US" smtClean="0"/>
+              <a:pPr/>
+              <a:t>2019/12/3</a:t>
+            </a:fld>
+            <a:endParaRPr lang="zh-CN" altLang="en-US"/>
+          </a:p>
+        </p:txBody>
+      </p:sp>
+      <p:sp>
+        <p:nvSpPr>
+          <p:cNvPr id="5" name="Slide Number Placeholder 4"/>
+          <p:cNvSpPr>
+            <a:spLocks noGrp="1"/>
+          </p:cNvSpPr>
+          <p:nvPr>
+            <p:ph type="sldNum" sz="quarter" idx="12"/>
+          </p:nvPr>
+        </p:nvSpPr>
+        <p:spPr/>
+        <p:txBody>
+          <a:bodyPr/>
+          <a:lstStyle/>
+          <a:p>
+            <a:fld id="{B3D1565B-4E83-45B7-9B19-292BF6FE1A2E}" type="slidenum">
+              <a:rPr lang="zh-CN" altLang="en-US" smtClean="0"/>
+              <a:pPr/>
+              <a:t>13</a:t>
+            </a:fld>
+            <a:endParaRPr lang="zh-CN" altLang="en-US"/>
+          </a:p>
+        </p:txBody>
+      </p:sp>
+    </p:spTree>
+    <p:extLst>
+      <p:ext uri="{BB962C8B-B14F-4D97-AF65-F5344CB8AC3E}">
+        <p14:creationId xmlns:p14="http://schemas.microsoft.com/office/powerpoint/2010/main" val="868068549"/>
+      </p:ext>
+    </p:extLst>
+  </p:cSld>
+  <p:clrMapOvr>
+    <a:masterClrMapping/>
+  </p:clrMapOvr>
+</p:sld>
+</file>
+
+<file path=ppt/slides/slide14.xml><?xml version="1.0" encoding="utf-8"?>
+<p:sld xmlns:a="http://schemas.openxmlformats.org/drawingml/2006/main" xmlns:r="http://schemas.openxmlformats.org/officeDocument/2006/relationships" xmlns:p="http://schemas.openxmlformats.org/presentationml/2006/main">
+  <p:cSld>
+    <p:spTree>
+      <p:nvGrpSpPr>
+        <p:cNvPr id="1" name=""/>
+        <p:cNvGrpSpPr/>
+        <p:nvPr/>
+      </p:nvGrpSpPr>
+      <p:grpSpPr>
+        <a:xfrm>
+          <a:off x="0" y="0"/>
+          <a:ext cx="0" cy="0"/>
+          <a:chOff x="0" y="0"/>
+          <a:chExt cx="0" cy="0"/>
+        </a:xfrm>
+      </p:grpSpPr>
+      <p:sp>
+        <p:nvSpPr>
+          <p:cNvPr id="2" name="Title 1"/>
+          <p:cNvSpPr>
+            <a:spLocks noGrp="1"/>
+          </p:cNvSpPr>
+          <p:nvPr>
+            <p:ph type="title"/>
+          </p:nvPr>
+        </p:nvSpPr>
+        <p:spPr/>
+        <p:txBody>
+          <a:bodyPr/>
+          <a:lstStyle/>
+          <a:p>
+            <a:r>
+              <a:rPr lang="en-US" dirty="0" smtClean="0"/>
               <a:t>Node.js &amp; Angular &amp; AngularJS</a:t>
             </a:r>
             <a:endParaRPr lang="en-US" dirty="0"/>
@@ -4758,7 +4894,7 @@
             <a:fld id="{4EE09118-F6C0-44B1-AEB0-E70B108D11CB}" type="datetime1">
               <a:rPr lang="zh-CN" altLang="en-US" smtClean="0"/>
               <a:pPr/>
-              <a:t>2019/1/25</a:t>
+              <a:t>2019/12/3</a:t>
             </a:fld>
             <a:endParaRPr lang="zh-CN" altLang="en-US"/>
           </a:p>
@@ -4782,7 +4918,7 @@
             <a:fld id="{B3D1565B-4E83-45B7-9B19-292BF6FE1A2E}" type="slidenum">
               <a:rPr lang="zh-CN" altLang="en-US" smtClean="0"/>
               <a:pPr/>
-              <a:t>13</a:t>
+              <a:t>14</a:t>
             </a:fld>
             <a:endParaRPr lang="zh-CN" altLang="en-US"/>
           </a:p>
@@ -4831,7 +4967,7 @@
 </p:sld>
 </file>
 
-<file path=ppt/slides/slide14.xml><?xml version="1.0" encoding="utf-8"?>
+<file path=ppt/slides/slide15.xml><?xml version="1.0" encoding="utf-8"?>
 <p:sld xmlns:a="http://schemas.openxmlformats.org/drawingml/2006/main" xmlns:r="http://schemas.openxmlformats.org/officeDocument/2006/relationships" xmlns:p="http://schemas.openxmlformats.org/presentationml/2006/main">
   <p:cSld>
     <p:spTree>
@@ -5077,7 +5213,7 @@
             <a:fld id="{4EE09118-F6C0-44B1-AEB0-E70B108D11CB}" type="datetime1">
               <a:rPr lang="zh-CN" altLang="en-US" smtClean="0"/>
               <a:pPr/>
-              <a:t>2019/1/25</a:t>
+              <a:t>2019/12/3</a:t>
             </a:fld>
             <a:endParaRPr lang="zh-CN" altLang="en-US"/>
           </a:p>
@@ -5101,7 +5237,7 @@
             <a:fld id="{B3D1565B-4E83-45B7-9B19-292BF6FE1A2E}" type="slidenum">
               <a:rPr lang="zh-CN" altLang="en-US" smtClean="0"/>
               <a:pPr/>
-              <a:t>14</a:t>
+              <a:t>15</a:t>
             </a:fld>
             <a:endParaRPr lang="zh-CN" altLang="en-US"/>
           </a:p>
@@ -5154,6 +5290,162 @@
           <a:p>
             <a:r>
               <a:rPr lang="en-US" dirty="0" smtClean="0"/>
+              <a:t>Node.js</a:t>
+            </a:r>
+            <a:endParaRPr lang="en-US" dirty="0"/>
+          </a:p>
+        </p:txBody>
+      </p:sp>
+      <p:sp>
+        <p:nvSpPr>
+          <p:cNvPr id="3" name="Content Placeholder 2"/>
+          <p:cNvSpPr>
+            <a:spLocks noGrp="1"/>
+          </p:cNvSpPr>
+          <p:nvPr>
+            <p:ph idx="1"/>
+          </p:nvPr>
+        </p:nvSpPr>
+        <p:spPr/>
+        <p:txBody>
+          <a:bodyPr/>
+          <a:lstStyle/>
+          <a:p>
+            <a:r>
+              <a:rPr lang="en-US" dirty="0" smtClean="0"/>
+              <a:t>Node.js installation</a:t>
+            </a:r>
+          </a:p>
+          <a:p>
+            <a:pPr lvl="1"/>
+            <a:r>
+              <a:rPr lang="en-US" dirty="0" smtClean="0"/>
+              <a:t>Windows Installer: the simplest way</a:t>
+            </a:r>
+          </a:p>
+          <a:p>
+            <a:pPr lvl="1"/>
+            <a:r>
+              <a:rPr lang="en-US" dirty="0" smtClean="0"/>
+              <a:t>Package Manager: Chocolatey/Scoop</a:t>
+            </a:r>
+          </a:p>
+          <a:p>
+            <a:pPr lvl="1"/>
+            <a:r>
+              <a:rPr lang="en-US" dirty="0"/>
+              <a:t>Zip package: </a:t>
+            </a:r>
+            <a:endParaRPr lang="en-US" dirty="0" smtClean="0"/>
+          </a:p>
+          <a:p>
+            <a:pPr lvl="2"/>
+            <a:r>
+              <a:rPr lang="en-US" dirty="0" smtClean="0"/>
+              <a:t>https</a:t>
+            </a:r>
+            <a:r>
+              <a:rPr lang="en-US" dirty="0"/>
+              <a:t>://www.jianshu.com/p/b0f97e20283f</a:t>
+            </a:r>
+          </a:p>
+        </p:txBody>
+      </p:sp>
+      <p:sp>
+        <p:nvSpPr>
+          <p:cNvPr id="4" name="Date Placeholder 3"/>
+          <p:cNvSpPr>
+            <a:spLocks noGrp="1"/>
+          </p:cNvSpPr>
+          <p:nvPr>
+            <p:ph type="dt" sz="half" idx="10"/>
+          </p:nvPr>
+        </p:nvSpPr>
+        <p:spPr/>
+        <p:txBody>
+          <a:bodyPr/>
+          <a:lstStyle/>
+          <a:p>
+            <a:fld id="{4EE09118-F6C0-44B1-AEB0-E70B108D11CB}" type="datetime1">
+              <a:rPr lang="zh-CN" altLang="en-US" smtClean="0"/>
+              <a:pPr/>
+              <a:t>2019/12/3</a:t>
+            </a:fld>
+            <a:endParaRPr lang="zh-CN" altLang="en-US"/>
+          </a:p>
+        </p:txBody>
+      </p:sp>
+      <p:sp>
+        <p:nvSpPr>
+          <p:cNvPr id="5" name="Slide Number Placeholder 4"/>
+          <p:cNvSpPr>
+            <a:spLocks noGrp="1"/>
+          </p:cNvSpPr>
+          <p:nvPr>
+            <p:ph type="sldNum" sz="quarter" idx="12"/>
+          </p:nvPr>
+        </p:nvSpPr>
+        <p:spPr/>
+        <p:txBody>
+          <a:bodyPr/>
+          <a:lstStyle/>
+          <a:p>
+            <a:fld id="{B3D1565B-4E83-45B7-9B19-292BF6FE1A2E}" type="slidenum">
+              <a:rPr lang="zh-CN" altLang="en-US" smtClean="0"/>
+              <a:pPr/>
+              <a:t>2</a:t>
+            </a:fld>
+            <a:endParaRPr lang="zh-CN" altLang="en-US"/>
+          </a:p>
+        </p:txBody>
+      </p:sp>
+    </p:spTree>
+    <p:extLst>
+      <p:ext uri="{BB962C8B-B14F-4D97-AF65-F5344CB8AC3E}">
+        <p14:creationId xmlns:p14="http://schemas.microsoft.com/office/powerpoint/2010/main" val="3619197057"/>
+      </p:ext>
+    </p:extLst>
+  </p:cSld>
+  <p:clrMapOvr>
+    <a:masterClrMapping/>
+  </p:clrMapOvr>
+</p:sld>
+</file>
+
+<file path=ppt/slides/slide3.xml><?xml version="1.0" encoding="utf-8"?>
+<p:sld xmlns:a="http://schemas.openxmlformats.org/drawingml/2006/main" xmlns:r="http://schemas.openxmlformats.org/officeDocument/2006/relationships" xmlns:p="http://schemas.openxmlformats.org/presentationml/2006/main">
+  <p:cSld>
+    <p:spTree>
+      <p:nvGrpSpPr>
+        <p:cNvPr id="1" name=""/>
+        <p:cNvGrpSpPr/>
+        <p:nvPr/>
+      </p:nvGrpSpPr>
+      <p:grpSpPr>
+        <a:xfrm>
+          <a:off x="0" y="0"/>
+          <a:ext cx="0" cy="0"/>
+          <a:chOff x="0" y="0"/>
+          <a:chExt cx="0" cy="0"/>
+        </a:xfrm>
+      </p:grpSpPr>
+      <p:sp>
+        <p:nvSpPr>
+          <p:cNvPr id="2" name="Title 1"/>
+          <p:cNvSpPr>
+            <a:spLocks noGrp="1"/>
+          </p:cNvSpPr>
+          <p:nvPr>
+            <p:ph type="title"/>
+          </p:nvPr>
+        </p:nvSpPr>
+        <p:spPr/>
+        <p:txBody>
+          <a:bodyPr/>
+          <a:lstStyle/>
+          <a:p>
+            <a:r>
+              <a:rPr lang="en-US" dirty="0" smtClean="0"/>
               <a:t>Cordova</a:t>
             </a:r>
             <a:endParaRPr lang="en-US" dirty="0"/>
@@ -5200,7 +5492,7 @@
             <a:fld id="{4EE09118-F6C0-44B1-AEB0-E70B108D11CB}" type="datetime1">
               <a:rPr lang="zh-CN" altLang="en-US" smtClean="0"/>
               <a:pPr/>
-              <a:t>2019/2/3</a:t>
+              <a:t>2019/12/3</a:t>
             </a:fld>
             <a:endParaRPr lang="zh-CN" altLang="en-US"/>
           </a:p>
@@ -5224,7 +5516,7 @@
             <a:fld id="{B3D1565B-4E83-45B7-9B19-292BF6FE1A2E}" type="slidenum">
               <a:rPr lang="zh-CN" altLang="en-US" smtClean="0"/>
               <a:pPr/>
-              <a:t>2</a:t>
+              <a:t>3</a:t>
             </a:fld>
             <a:endParaRPr lang="zh-CN" altLang="en-US"/>
           </a:p>
@@ -5267,7 +5559,7 @@
 </p:sld>
 </file>
 
-<file path=ppt/slides/slide3.xml><?xml version="1.0" encoding="utf-8"?>
+<file path=ppt/slides/slide4.xml><?xml version="1.0" encoding="utf-8"?>
 <p:sld xmlns:a="http://schemas.openxmlformats.org/drawingml/2006/main" xmlns:r="http://schemas.openxmlformats.org/officeDocument/2006/relationships" xmlns:p="http://schemas.openxmlformats.org/presentationml/2006/main">
   <p:cSld>
     <p:spTree>
@@ -5351,7 +5643,7 @@
             <a:fld id="{4EE09118-F6C0-44B1-AEB0-E70B108D11CB}" type="datetime1">
               <a:rPr lang="zh-CN" altLang="en-US" smtClean="0"/>
               <a:pPr/>
-              <a:t>2019/2/3</a:t>
+              <a:t>2019/12/3</a:t>
             </a:fld>
             <a:endParaRPr lang="zh-CN" altLang="en-US"/>
           </a:p>
@@ -5375,7 +5667,7 @@
             <a:fld id="{B3D1565B-4E83-45B7-9B19-292BF6FE1A2E}" type="slidenum">
               <a:rPr lang="zh-CN" altLang="en-US" smtClean="0"/>
               <a:pPr/>
-              <a:t>3</a:t>
+              <a:t>4</a:t>
             </a:fld>
             <a:endParaRPr lang="zh-CN" altLang="en-US"/>
           </a:p>
@@ -5385,132 +5677,6 @@
     <p:extLst>
       <p:ext uri="{BB962C8B-B14F-4D97-AF65-F5344CB8AC3E}">
         <p14:creationId xmlns:p14="http://schemas.microsoft.com/office/powerpoint/2010/main" val="3354955876"/>
-      </p:ext>
-    </p:extLst>
-  </p:cSld>
-  <p:clrMapOvr>
-    <a:masterClrMapping/>
-  </p:clrMapOvr>
-</p:sld>
-</file>
-
-<file path=ppt/slides/slide4.xml><?xml version="1.0" encoding="utf-8"?>
-<p:sld xmlns:a="http://schemas.openxmlformats.org/drawingml/2006/main" xmlns:r="http://schemas.openxmlformats.org/officeDocument/2006/relationships" xmlns:p="http://schemas.openxmlformats.org/presentationml/2006/main">
-  <p:cSld>
-    <p:spTree>
-      <p:nvGrpSpPr>
-        <p:cNvPr id="1" name=""/>
-        <p:cNvGrpSpPr/>
-        <p:nvPr/>
-      </p:nvGrpSpPr>
-      <p:grpSpPr>
-        <a:xfrm>
-          <a:off x="0" y="0"/>
-          <a:ext cx="0" cy="0"/>
-          <a:chOff x="0" y="0"/>
-          <a:chExt cx="0" cy="0"/>
-        </a:xfrm>
-      </p:grpSpPr>
-      <p:sp>
-        <p:nvSpPr>
-          <p:cNvPr id="2" name="Title 1"/>
-          <p:cNvSpPr>
-            <a:spLocks noGrp="1"/>
-          </p:cNvSpPr>
-          <p:nvPr>
-            <p:ph type="title"/>
-          </p:nvPr>
-        </p:nvSpPr>
-        <p:spPr/>
-        <p:txBody>
-          <a:bodyPr/>
-          <a:lstStyle/>
-          <a:p>
-            <a:r>
-              <a:rPr lang="en-US" dirty="0" smtClean="0"/>
-              <a:t>Angular </a:t>
-            </a:r>
-            <a:r>
-              <a:rPr lang="en-US" dirty="0"/>
-              <a:t>Material</a:t>
-            </a:r>
-          </a:p>
-        </p:txBody>
-      </p:sp>
-      <p:sp>
-        <p:nvSpPr>
-          <p:cNvPr id="3" name="Content Placeholder 2"/>
-          <p:cNvSpPr>
-            <a:spLocks noGrp="1"/>
-          </p:cNvSpPr>
-          <p:nvPr>
-            <p:ph idx="1"/>
-          </p:nvPr>
-        </p:nvSpPr>
-        <p:spPr/>
-        <p:txBody>
-          <a:bodyPr/>
-          <a:lstStyle/>
-          <a:p>
-            <a:r>
-              <a:rPr lang="en-US" dirty="0"/>
-              <a:t>https://material.angular.io/</a:t>
-            </a:r>
-          </a:p>
-        </p:txBody>
-      </p:sp>
-      <p:sp>
-        <p:nvSpPr>
-          <p:cNvPr id="4" name="Date Placeholder 3"/>
-          <p:cNvSpPr>
-            <a:spLocks noGrp="1"/>
-          </p:cNvSpPr>
-          <p:nvPr>
-            <p:ph type="dt" sz="half" idx="10"/>
-          </p:nvPr>
-        </p:nvSpPr>
-        <p:spPr/>
-        <p:txBody>
-          <a:bodyPr/>
-          <a:lstStyle/>
-          <a:p>
-            <a:fld id="{4EE09118-F6C0-44B1-AEB0-E70B108D11CB}" type="datetime1">
-              <a:rPr lang="zh-CN" altLang="en-US" smtClean="0"/>
-              <a:pPr/>
-              <a:t>2019/2/1</a:t>
-            </a:fld>
-            <a:endParaRPr lang="zh-CN" altLang="en-US"/>
-          </a:p>
-        </p:txBody>
-      </p:sp>
-      <p:sp>
-        <p:nvSpPr>
-          <p:cNvPr id="5" name="Slide Number Placeholder 4"/>
-          <p:cNvSpPr>
-            <a:spLocks noGrp="1"/>
-          </p:cNvSpPr>
-          <p:nvPr>
-            <p:ph type="sldNum" sz="quarter" idx="12"/>
-          </p:nvPr>
-        </p:nvSpPr>
-        <p:spPr/>
-        <p:txBody>
-          <a:bodyPr/>
-          <a:lstStyle/>
-          <a:p>
-            <a:fld id="{B3D1565B-4E83-45B7-9B19-292BF6FE1A2E}" type="slidenum">
-              <a:rPr lang="zh-CN" altLang="en-US" smtClean="0"/>
-              <a:pPr/>
-              <a:t>4</a:t>
-            </a:fld>
-            <a:endParaRPr lang="zh-CN" altLang="en-US"/>
-          </a:p>
-        </p:txBody>
-      </p:sp>
-    </p:spTree>
-    <p:extLst>
-      <p:ext uri="{BB962C8B-B14F-4D97-AF65-F5344CB8AC3E}">
-        <p14:creationId xmlns:p14="http://schemas.microsoft.com/office/powerpoint/2010/main" val="1599778584"/>
       </p:ext>
     </p:extLst>
   </p:cSld>
@@ -5553,6 +5719,132 @@
           <a:lstStyle/>
           <a:p>
             <a:r>
+              <a:rPr lang="en-US" dirty="0" smtClean="0"/>
+              <a:t>Angular </a:t>
+            </a:r>
+            <a:r>
+              <a:rPr lang="en-US" dirty="0"/>
+              <a:t>Material</a:t>
+            </a:r>
+          </a:p>
+        </p:txBody>
+      </p:sp>
+      <p:sp>
+        <p:nvSpPr>
+          <p:cNvPr id="3" name="Content Placeholder 2"/>
+          <p:cNvSpPr>
+            <a:spLocks noGrp="1"/>
+          </p:cNvSpPr>
+          <p:nvPr>
+            <p:ph idx="1"/>
+          </p:nvPr>
+        </p:nvSpPr>
+        <p:spPr/>
+        <p:txBody>
+          <a:bodyPr/>
+          <a:lstStyle/>
+          <a:p>
+            <a:r>
+              <a:rPr lang="en-US" dirty="0"/>
+              <a:t>https://material.angular.io/</a:t>
+            </a:r>
+          </a:p>
+        </p:txBody>
+      </p:sp>
+      <p:sp>
+        <p:nvSpPr>
+          <p:cNvPr id="4" name="Date Placeholder 3"/>
+          <p:cNvSpPr>
+            <a:spLocks noGrp="1"/>
+          </p:cNvSpPr>
+          <p:nvPr>
+            <p:ph type="dt" sz="half" idx="10"/>
+          </p:nvPr>
+        </p:nvSpPr>
+        <p:spPr/>
+        <p:txBody>
+          <a:bodyPr/>
+          <a:lstStyle/>
+          <a:p>
+            <a:fld id="{4EE09118-F6C0-44B1-AEB0-E70B108D11CB}" type="datetime1">
+              <a:rPr lang="zh-CN" altLang="en-US" smtClean="0"/>
+              <a:pPr/>
+              <a:t>2019/12/3</a:t>
+            </a:fld>
+            <a:endParaRPr lang="zh-CN" altLang="en-US"/>
+          </a:p>
+        </p:txBody>
+      </p:sp>
+      <p:sp>
+        <p:nvSpPr>
+          <p:cNvPr id="5" name="Slide Number Placeholder 4"/>
+          <p:cNvSpPr>
+            <a:spLocks noGrp="1"/>
+          </p:cNvSpPr>
+          <p:nvPr>
+            <p:ph type="sldNum" sz="quarter" idx="12"/>
+          </p:nvPr>
+        </p:nvSpPr>
+        <p:spPr/>
+        <p:txBody>
+          <a:bodyPr/>
+          <a:lstStyle/>
+          <a:p>
+            <a:fld id="{B3D1565B-4E83-45B7-9B19-292BF6FE1A2E}" type="slidenum">
+              <a:rPr lang="zh-CN" altLang="en-US" smtClean="0"/>
+              <a:pPr/>
+              <a:t>5</a:t>
+            </a:fld>
+            <a:endParaRPr lang="zh-CN" altLang="en-US"/>
+          </a:p>
+        </p:txBody>
+      </p:sp>
+    </p:spTree>
+    <p:extLst>
+      <p:ext uri="{BB962C8B-B14F-4D97-AF65-F5344CB8AC3E}">
+        <p14:creationId xmlns:p14="http://schemas.microsoft.com/office/powerpoint/2010/main" val="1599778584"/>
+      </p:ext>
+    </p:extLst>
+  </p:cSld>
+  <p:clrMapOvr>
+    <a:masterClrMapping/>
+  </p:clrMapOvr>
+</p:sld>
+</file>
+
+<file path=ppt/slides/slide6.xml><?xml version="1.0" encoding="utf-8"?>
+<p:sld xmlns:a="http://schemas.openxmlformats.org/drawingml/2006/main" xmlns:r="http://schemas.openxmlformats.org/officeDocument/2006/relationships" xmlns:p="http://schemas.openxmlformats.org/presentationml/2006/main">
+  <p:cSld>
+    <p:spTree>
+      <p:nvGrpSpPr>
+        <p:cNvPr id="1" name=""/>
+        <p:cNvGrpSpPr/>
+        <p:nvPr/>
+      </p:nvGrpSpPr>
+      <p:grpSpPr>
+        <a:xfrm>
+          <a:off x="0" y="0"/>
+          <a:ext cx="0" cy="0"/>
+          <a:chOff x="0" y="0"/>
+          <a:chExt cx="0" cy="0"/>
+        </a:xfrm>
+      </p:grpSpPr>
+      <p:sp>
+        <p:nvSpPr>
+          <p:cNvPr id="2" name="Title 1"/>
+          <p:cNvSpPr>
+            <a:spLocks noGrp="1"/>
+          </p:cNvSpPr>
+          <p:nvPr>
+            <p:ph type="title"/>
+          </p:nvPr>
+        </p:nvSpPr>
+        <p:spPr/>
+        <p:txBody>
+          <a:bodyPr/>
+          <a:lstStyle/>
+          <a:p>
+            <a:r>
               <a:rPr lang="en-US" dirty="0" err="1" smtClean="0"/>
               <a:t>Highcharts</a:t>
             </a:r>
@@ -5607,7 +5899,7 @@
             <a:fld id="{4EE09118-F6C0-44B1-AEB0-E70B108D11CB}" type="datetime1">
               <a:rPr lang="zh-CN" altLang="en-US" smtClean="0"/>
               <a:pPr/>
-              <a:t>2019/2/3</a:t>
+              <a:t>2019/12/3</a:t>
             </a:fld>
             <a:endParaRPr lang="zh-CN" altLang="en-US"/>
           </a:p>
@@ -5631,7 +5923,7 @@
             <a:fld id="{B3D1565B-4E83-45B7-9B19-292BF6FE1A2E}" type="slidenum">
               <a:rPr lang="zh-CN" altLang="en-US" smtClean="0"/>
               <a:pPr/>
-              <a:t>5</a:t>
+              <a:t>6</a:t>
             </a:fld>
             <a:endParaRPr lang="zh-CN" altLang="en-US"/>
           </a:p>
@@ -5680,7 +5972,7 @@
 </p:sld>
 </file>
 
-<file path=ppt/slides/slide6.xml><?xml version="1.0" encoding="utf-8"?>
+<file path=ppt/slides/slide7.xml><?xml version="1.0" encoding="utf-8"?>
 <p:sld xmlns:a="http://schemas.openxmlformats.org/drawingml/2006/main" xmlns:r="http://schemas.openxmlformats.org/officeDocument/2006/relationships" xmlns:p="http://schemas.openxmlformats.org/presentationml/2006/main">
   <p:cSld>
     <p:spTree>
@@ -5772,7 +6064,7 @@
             <a:fld id="{4EE09118-F6C0-44B1-AEB0-E70B108D11CB}" type="datetime1">
               <a:rPr lang="zh-CN" altLang="en-US" smtClean="0"/>
               <a:pPr/>
-              <a:t>2019/2/3</a:t>
+              <a:t>2019/12/3</a:t>
             </a:fld>
             <a:endParaRPr lang="zh-CN" altLang="en-US"/>
           </a:p>
@@ -5796,7 +6088,7 @@
             <a:fld id="{B3D1565B-4E83-45B7-9B19-292BF6FE1A2E}" type="slidenum">
               <a:rPr lang="zh-CN" altLang="en-US" smtClean="0"/>
               <a:pPr/>
-              <a:t>6</a:t>
+              <a:t>7</a:t>
             </a:fld>
             <a:endParaRPr lang="zh-CN" altLang="en-US"/>
           </a:p>
@@ -5839,7 +6131,7 @@
 </p:sld>
 </file>
 
-<file path=ppt/slides/slide7.xml><?xml version="1.0" encoding="utf-8"?>
+<file path=ppt/slides/slide8.xml><?xml version="1.0" encoding="utf-8"?>
 <p:sld xmlns:a="http://schemas.openxmlformats.org/drawingml/2006/main" xmlns:r="http://schemas.openxmlformats.org/officeDocument/2006/relationships" xmlns:p="http://schemas.openxmlformats.org/presentationml/2006/main">
   <p:cSld>
     <p:spTree>
@@ -5909,7 +6201,7 @@
             <a:fld id="{4EE09118-F6C0-44B1-AEB0-E70B108D11CB}" type="datetime1">
               <a:rPr lang="zh-CN" altLang="en-US" smtClean="0"/>
               <a:pPr/>
-              <a:t>2019/1/14</a:t>
+              <a:t>2019/12/3</a:t>
             </a:fld>
             <a:endParaRPr lang="zh-CN" altLang="en-US"/>
           </a:p>
@@ -5933,7 +6225,7 @@
             <a:fld id="{B3D1565B-4E83-45B7-9B19-292BF6FE1A2E}" type="slidenum">
               <a:rPr lang="zh-CN" altLang="en-US" smtClean="0"/>
               <a:pPr/>
-              <a:t>7</a:t>
+              <a:t>8</a:t>
             </a:fld>
             <a:endParaRPr lang="zh-CN" altLang="en-US"/>
           </a:p>
@@ -5982,7 +6274,7 @@
 </p:sld>
 </file>
 
-<file path=ppt/slides/slide8.xml><?xml version="1.0" encoding="utf-8"?>
+<file path=ppt/slides/slide9.xml><?xml version="1.0" encoding="utf-8"?>
 <p:sld xmlns:a="http://schemas.openxmlformats.org/drawingml/2006/main" xmlns:r="http://schemas.openxmlformats.org/officeDocument/2006/relationships" xmlns:p="http://schemas.openxmlformats.org/presentationml/2006/main">
   <p:cSld>
     <p:spTree>
@@ -6040,7 +6332,7 @@
             <a:fld id="{4EE09118-F6C0-44B1-AEB0-E70B108D11CB}" type="datetime1">
               <a:rPr lang="zh-CN" altLang="en-US" smtClean="0"/>
               <a:pPr/>
-              <a:t>2019/2/1</a:t>
+              <a:t>2019/12/3</a:t>
             </a:fld>
             <a:endParaRPr lang="zh-CN" altLang="en-US"/>
           </a:p>
@@ -6064,7 +6356,7 @@
             <a:fld id="{B3D1565B-4E83-45B7-9B19-292BF6FE1A2E}" type="slidenum">
               <a:rPr lang="zh-CN" altLang="en-US" smtClean="0"/>
               <a:pPr/>
-              <a:t>8</a:t>
+              <a:t>9</a:t>
             </a:fld>
             <a:endParaRPr lang="zh-CN" altLang="en-US"/>
           </a:p>
@@ -6156,141 +6448,6 @@
     <p:extLst>
       <p:ext uri="{BB962C8B-B14F-4D97-AF65-F5344CB8AC3E}">
         <p14:creationId xmlns:p14="http://schemas.microsoft.com/office/powerpoint/2010/main" val="2924404899"/>
-      </p:ext>
-    </p:extLst>
-  </p:cSld>
-  <p:clrMapOvr>
-    <a:masterClrMapping/>
-  </p:clrMapOvr>
-</p:sld>
-</file>
-
-<file path=ppt/slides/slide9.xml><?xml version="1.0" encoding="utf-8"?>
-<p:sld xmlns:a="http://schemas.openxmlformats.org/drawingml/2006/main" xmlns:r="http://schemas.openxmlformats.org/officeDocument/2006/relationships" xmlns:p="http://schemas.openxmlformats.org/presentationml/2006/main">
-  <p:cSld>
-    <p:spTree>
-      <p:nvGrpSpPr>
-        <p:cNvPr id="1" name=""/>
-        <p:cNvGrpSpPr/>
-        <p:nvPr/>
-      </p:nvGrpSpPr>
-      <p:grpSpPr>
-        <a:xfrm>
-          <a:off x="0" y="0"/>
-          <a:ext cx="0" cy="0"/>
-          <a:chOff x="0" y="0"/>
-          <a:chExt cx="0" cy="0"/>
-        </a:xfrm>
-      </p:grpSpPr>
-      <p:sp>
-        <p:nvSpPr>
-          <p:cNvPr id="2" name="Title 1"/>
-          <p:cNvSpPr>
-            <a:spLocks noGrp="1"/>
-          </p:cNvSpPr>
-          <p:nvPr>
-            <p:ph type="title"/>
-          </p:nvPr>
-        </p:nvSpPr>
-        <p:spPr/>
-        <p:txBody>
-          <a:bodyPr/>
-          <a:lstStyle/>
-          <a:p>
-            <a:r>
-              <a:rPr lang="en-US" altLang="zh-CN" dirty="0" smtClean="0"/>
-              <a:t>Wide Column</a:t>
-            </a:r>
-            <a:r>
-              <a:rPr lang="zh-CN" altLang="en-US" dirty="0"/>
-              <a:t>模型</a:t>
-            </a:r>
-            <a:endParaRPr lang="en-US" dirty="0"/>
-          </a:p>
-        </p:txBody>
-      </p:sp>
-      <p:sp>
-        <p:nvSpPr>
-          <p:cNvPr id="4" name="Date Placeholder 3"/>
-          <p:cNvSpPr>
-            <a:spLocks noGrp="1"/>
-          </p:cNvSpPr>
-          <p:nvPr>
-            <p:ph type="dt" sz="half" idx="10"/>
-          </p:nvPr>
-        </p:nvSpPr>
-        <p:spPr/>
-        <p:txBody>
-          <a:bodyPr/>
-          <a:lstStyle/>
-          <a:p>
-            <a:fld id="{4EE09118-F6C0-44B1-AEB0-E70B108D11CB}" type="datetime1">
-              <a:rPr lang="zh-CN" altLang="en-US" smtClean="0"/>
-              <a:pPr/>
-              <a:t>2019/1/14</a:t>
-            </a:fld>
-            <a:endParaRPr lang="zh-CN" altLang="en-US"/>
-          </a:p>
-        </p:txBody>
-      </p:sp>
-      <p:sp>
-        <p:nvSpPr>
-          <p:cNvPr id="5" name="Slide Number Placeholder 4"/>
-          <p:cNvSpPr>
-            <a:spLocks noGrp="1"/>
-          </p:cNvSpPr>
-          <p:nvPr>
-            <p:ph type="sldNum" sz="quarter" idx="12"/>
-          </p:nvPr>
-        </p:nvSpPr>
-        <p:spPr/>
-        <p:txBody>
-          <a:bodyPr/>
-          <a:lstStyle/>
-          <a:p>
-            <a:fld id="{B3D1565B-4E83-45B7-9B19-292BF6FE1A2E}" type="slidenum">
-              <a:rPr lang="zh-CN" altLang="en-US" smtClean="0"/>
-              <a:pPr/>
-              <a:t>9</a:t>
-            </a:fld>
-            <a:endParaRPr lang="zh-CN" altLang="en-US"/>
-          </a:p>
-        </p:txBody>
-      </p:sp>
-      <p:pic>
-        <p:nvPicPr>
-          <p:cNvPr id="6" name="Picture 5"/>
-          <p:cNvPicPr>
-            <a:picLocks noChangeAspect="1"/>
-          </p:cNvPicPr>
-          <p:nvPr/>
-        </p:nvPicPr>
-        <p:blipFill>
-          <a:blip r:embed="rId2">
-            <a:extLst>
-              <a:ext uri="{28A0092B-C50C-407E-A947-70E740481C1C}">
-                <a14:useLocalDpi xmlns:a14="http://schemas.microsoft.com/office/drawing/2010/main" val="0"/>
-              </a:ext>
-            </a:extLst>
-          </a:blip>
-          <a:stretch>
-            <a:fillRect/>
-          </a:stretch>
-        </p:blipFill>
-        <p:spPr>
-          <a:xfrm>
-            <a:off x="0" y="1450361"/>
-            <a:ext cx="9144000" cy="3957278"/>
-          </a:xfrm>
-          <a:prstGeom prst="rect">
-            <a:avLst/>
-          </a:prstGeom>
-        </p:spPr>
-      </p:pic>
-    </p:spTree>
-    <p:extLst>
-      <p:ext uri="{BB962C8B-B14F-4D97-AF65-F5344CB8AC3E}">
-        <p14:creationId xmlns:p14="http://schemas.microsoft.com/office/powerpoint/2010/main" val="2531136361"/>
       </p:ext>
     </p:extLst>
   </p:cSld>
